--- a/sem1/SIM/Seminararbeit/Kjartan/Präsentation.pptx
+++ b/sem1/SIM/Seminararbeit/Kjartan/Präsentation.pptx
@@ -116,6 +116,11 @@
       </a:defRPr>
     </a:lvl9pPr>
   </p:defaultTextStyle>
+  <p:extLst>
+    <p:ext uri="{EFAFB233-063F-42B5-8137-9DF3F51BA10A}">
+      <p15:sldGuideLst xmlns:p15="http://schemas.microsoft.com/office/powerpoint/2012/main"/>
+    </p:ext>
+  </p:extLst>
 </p:presentation>
 </file>
 
@@ -201,7 +206,7 @@
           <a:p>
             <a:fld id="{A0B1E207-D627-4747-AD9E-CA385A93081E}" type="datetimeFigureOut">
               <a:rPr lang="de-AT" smtClean="0"/>
-              <a:t>25.06.2014</a:t>
+              <a:t>27.06.2014</a:t>
             </a:fld>
             <a:endParaRPr lang="de-AT"/>
           </a:p>
@@ -1855,7 +1860,7 @@
           <a:p>
             <a:fld id="{A97A5911-471A-4A84-84C7-66D00F709D11}" type="datetimeFigureOut">
               <a:rPr lang="de-AT" smtClean="0"/>
-              <a:t>25.06.2014</a:t>
+              <a:t>27.06.2014</a:t>
             </a:fld>
             <a:endParaRPr lang="de-AT"/>
           </a:p>
@@ -2039,7 +2044,7 @@
           <a:p>
             <a:fld id="{A97A5911-471A-4A84-84C7-66D00F709D11}" type="datetimeFigureOut">
               <a:rPr lang="de-AT" smtClean="0"/>
-              <a:t>25.06.2014</a:t>
+              <a:t>27.06.2014</a:t>
             </a:fld>
             <a:endParaRPr lang="de-AT"/>
           </a:p>
@@ -2223,7 +2228,7 @@
           <a:p>
             <a:fld id="{A97A5911-471A-4A84-84C7-66D00F709D11}" type="datetimeFigureOut">
               <a:rPr lang="de-AT" smtClean="0"/>
-              <a:t>25.06.2014</a:t>
+              <a:t>27.06.2014</a:t>
             </a:fld>
             <a:endParaRPr lang="de-AT"/>
           </a:p>
@@ -2393,7 +2398,7 @@
           <a:p>
             <a:fld id="{A97A5911-471A-4A84-84C7-66D00F709D11}" type="datetimeFigureOut">
               <a:rPr lang="de-AT" smtClean="0"/>
-              <a:t>25.06.2014</a:t>
+              <a:t>27.06.2014</a:t>
             </a:fld>
             <a:endParaRPr lang="de-AT"/>
           </a:p>
@@ -2718,7 +2723,7 @@
           <a:p>
             <a:fld id="{A97A5911-471A-4A84-84C7-66D00F709D11}" type="datetimeFigureOut">
               <a:rPr lang="de-AT" smtClean="0"/>
-              <a:t>25.06.2014</a:t>
+              <a:t>27.06.2014</a:t>
             </a:fld>
             <a:endParaRPr lang="de-AT"/>
           </a:p>
@@ -3116,7 +3121,7 @@
           <a:p>
             <a:fld id="{A97A5911-471A-4A84-84C7-66D00F709D11}" type="datetimeFigureOut">
               <a:rPr lang="de-AT" smtClean="0"/>
-              <a:t>25.06.2014</a:t>
+              <a:t>27.06.2014</a:t>
             </a:fld>
             <a:endParaRPr lang="de-AT"/>
           </a:p>
@@ -3550,7 +3555,7 @@
           <a:p>
             <a:fld id="{A97A5911-471A-4A84-84C7-66D00F709D11}" type="datetimeFigureOut">
               <a:rPr lang="de-AT" smtClean="0"/>
-              <a:t>25.06.2014</a:t>
+              <a:t>27.06.2014</a:t>
             </a:fld>
             <a:endParaRPr lang="de-AT"/>
           </a:p>
@@ -3678,7 +3683,7 @@
           <a:p>
             <a:fld id="{A97A5911-471A-4A84-84C7-66D00F709D11}" type="datetimeFigureOut">
               <a:rPr lang="de-AT" smtClean="0"/>
-              <a:t>25.06.2014</a:t>
+              <a:t>27.06.2014</a:t>
             </a:fld>
             <a:endParaRPr lang="de-AT"/>
           </a:p>
@@ -3783,7 +3788,7 @@
           <a:p>
             <a:fld id="{A97A5911-471A-4A84-84C7-66D00F709D11}" type="datetimeFigureOut">
               <a:rPr lang="de-AT" smtClean="0"/>
-              <a:t>25.06.2014</a:t>
+              <a:t>27.06.2014</a:t>
             </a:fld>
             <a:endParaRPr lang="de-AT"/>
           </a:p>
@@ -4224,7 +4229,7 @@
           <a:p>
             <a:fld id="{A97A5911-471A-4A84-84C7-66D00F709D11}" type="datetimeFigureOut">
               <a:rPr lang="de-AT" smtClean="0"/>
-              <a:t>25.06.2014</a:t>
+              <a:t>27.06.2014</a:t>
             </a:fld>
             <a:endParaRPr lang="de-AT"/>
           </a:p>
@@ -4651,7 +4656,7 @@
           <a:p>
             <a:fld id="{A97A5911-471A-4A84-84C7-66D00F709D11}" type="datetimeFigureOut">
               <a:rPr lang="de-AT" smtClean="0"/>
-              <a:t>25.06.2014</a:t>
+              <a:t>27.06.2014</a:t>
             </a:fld>
             <a:endParaRPr lang="de-AT"/>
           </a:p>
@@ -4936,7 +4941,7 @@
           <a:p>
             <a:fld id="{A97A5911-471A-4A84-84C7-66D00F709D11}" type="datetimeFigureOut">
               <a:rPr lang="de-AT" smtClean="0"/>
-              <a:t>25.06.2014</a:t>
+              <a:t>27.06.2014</a:t>
             </a:fld>
             <a:endParaRPr lang="de-AT"/>
           </a:p>
@@ -5954,7 +5959,12 @@
             <p:ph idx="1"/>
           </p:nvPr>
         </p:nvSpPr>
-        <p:spPr/>
+        <p:spPr>
+          <a:xfrm>
+            <a:off x="685800" y="2111134"/>
+            <a:ext cx="7772400" cy="4050792"/>
+          </a:xfrm>
+        </p:spPr>
         <p:txBody>
           <a:bodyPr anchor="ctr">
             <a:normAutofit/>
@@ -5968,7 +5978,15 @@
             </a:pPr>
             <a:r>
               <a:rPr lang="de-DE" sz="2800" dirty="0" smtClean="0"/>
-              <a:t>Zum Allgemeines Verständnis</a:t>
+              <a:t>Zum </a:t>
+            </a:r>
+            <a:r>
+              <a:rPr lang="de-DE" sz="2800" dirty="0" smtClean="0"/>
+              <a:t>Allgemeinen </a:t>
+            </a:r>
+            <a:r>
+              <a:rPr lang="de-DE" sz="2800" dirty="0" smtClean="0"/>
+              <a:t>Verständnis</a:t>
             </a:r>
           </a:p>
           <a:p>
@@ -6866,13 +6884,13 @@
   <p:clrMapOvr>
     <a:masterClrMapping/>
   </p:clrMapOvr>
-  <mc:AlternateContent xmlns:mc="http://schemas.openxmlformats.org/markup-compatibility/2006">
-    <mc:Choice xmlns:p14="http://schemas.microsoft.com/office/powerpoint/2010/main" Requires="p14">
+  <mc:AlternateContent xmlns:mc="http://schemas.openxmlformats.org/markup-compatibility/2006" xmlns:p14="http://schemas.microsoft.com/office/powerpoint/2010/main">
+    <mc:Choice Requires="p14">
       <p:transition spd="med" p14:dur="700">
         <p:fade/>
       </p:transition>
     </mc:Choice>
-    <mc:Fallback>
+    <mc:Fallback xmlns="">
       <p:transition spd="med">
         <p:fade/>
       </p:transition>
@@ -7285,8 +7303,8 @@
         </p:nvSpPr>
         <p:spPr>
           <a:xfrm>
-            <a:off x="628650" y="1825625"/>
-            <a:ext cx="3727450" cy="4351338"/>
+            <a:off x="628650" y="4900773"/>
+            <a:ext cx="3727450" cy="1276190"/>
           </a:xfrm>
         </p:spPr>
         <p:txBody>
@@ -7308,56 +7326,9 @@
             </a:pPr>
             <a:r>
               <a:rPr lang="de-DE" sz="2800" dirty="0" smtClean="0"/>
-              <a:t>97,84%</a:t>
-            </a:r>
-            <a:br>
-              <a:rPr lang="de-DE" sz="2800" dirty="0" smtClean="0"/>
-            </a:br>
-            <a:r>
-              <a:rPr lang="de-DE" sz="2800" dirty="0" smtClean="0"/>
-              <a:t>Hausnummern</a:t>
-            </a:r>
-          </a:p>
-          <a:p>
-            <a:pPr>
-              <a:lnSpc>
-                <a:spcPct val="100000"/>
-              </a:lnSpc>
-              <a:spcBef>
-                <a:spcPts val="1800"/>
-              </a:spcBef>
-              <a:spcAft>
-                <a:spcPts val="1800"/>
-              </a:spcAft>
-            </a:pPr>
-            <a:r>
-              <a:rPr lang="de-DE" sz="2800" dirty="0" smtClean="0"/>
-              <a:t>99,8%</a:t>
-            </a:r>
-            <a:br>
-              <a:rPr lang="de-DE" sz="2800" dirty="0" smtClean="0"/>
-            </a:br>
-            <a:r>
-              <a:rPr lang="de-DE" sz="2800" dirty="0" smtClean="0"/>
-              <a:t>Sicherheitscodes</a:t>
-            </a:r>
-          </a:p>
-          <a:p>
-            <a:pPr>
-              <a:lnSpc>
-                <a:spcPct val="100000"/>
-              </a:lnSpc>
-              <a:spcBef>
-                <a:spcPts val="1800"/>
-              </a:spcBef>
-              <a:spcAft>
-                <a:spcPts val="1800"/>
-              </a:spcAft>
-            </a:pPr>
-            <a:r>
-              <a:rPr lang="de-DE" sz="2800" dirty="0" smtClean="0"/>
               <a:t>Benutzereingaben</a:t>
             </a:r>
+            <a:endParaRPr lang="de-DE" sz="2800" dirty="0" smtClean="0"/>
           </a:p>
         </p:txBody>
       </p:sp>
@@ -7443,6 +7414,585 @@
           </a:extLst>
         </p:spPr>
       </p:pic>
+      <p:sp>
+        <p:nvSpPr>
+          <p:cNvPr id="6" name="Inhaltsplatzhalter 2"/>
+          <p:cNvSpPr txBox="1">
+            <a:spLocks/>
+          </p:cNvSpPr>
+          <p:nvPr/>
+        </p:nvSpPr>
+        <p:spPr>
+          <a:xfrm>
+            <a:off x="628650" y="3688421"/>
+            <a:ext cx="3727450" cy="986321"/>
+          </a:xfrm>
+          <a:prstGeom prst="rect">
+            <a:avLst/>
+          </a:prstGeom>
+        </p:spPr>
+        <p:txBody>
+          <a:bodyPr vert="horz" lIns="91440" tIns="45720" rIns="91440" bIns="45720" rtlCol="0" anchor="ctr">
+            <a:normAutofit/>
+          </a:bodyPr>
+          <a:lstStyle>
+            <a:lvl1pPr marL="182880" indent="-182880" algn="l" defTabSz="914400" rtl="0" eaLnBrk="1" latinLnBrk="0" hangingPunct="1">
+              <a:lnSpc>
+                <a:spcPct val="90000"/>
+              </a:lnSpc>
+              <a:spcBef>
+                <a:spcPts val="1200"/>
+              </a:spcBef>
+              <a:buClr>
+                <a:schemeClr val="accent1">
+                  <a:lumMod val="75000"/>
+                </a:schemeClr>
+              </a:buClr>
+              <a:buSzPct val="85000"/>
+              <a:buFont typeface="Wingdings" pitchFamily="2" charset="2"/>
+              <a:buChar char="§"/>
+              <a:defRPr sz="2000" kern="1200">
+                <a:solidFill>
+                  <a:schemeClr val="tx1"/>
+                </a:solidFill>
+                <a:latin typeface="+mn-lt"/>
+                <a:ea typeface="+mn-ea"/>
+                <a:cs typeface="+mn-cs"/>
+              </a:defRPr>
+            </a:lvl1pPr>
+            <a:lvl2pPr marL="457200" indent="-182880" algn="l" defTabSz="914400" rtl="0" eaLnBrk="1" latinLnBrk="0" hangingPunct="1">
+              <a:lnSpc>
+                <a:spcPct val="90000"/>
+              </a:lnSpc>
+              <a:spcBef>
+                <a:spcPts val="400"/>
+              </a:spcBef>
+              <a:spcAft>
+                <a:spcPts val="200"/>
+              </a:spcAft>
+              <a:buClr>
+                <a:schemeClr val="accent1">
+                  <a:lumMod val="75000"/>
+                </a:schemeClr>
+              </a:buClr>
+              <a:buSzPct val="85000"/>
+              <a:buFont typeface="Wingdings" pitchFamily="2" charset="2"/>
+              <a:buChar char="§"/>
+              <a:defRPr sz="1800" kern="1200">
+                <a:solidFill>
+                  <a:schemeClr val="tx1"/>
+                </a:solidFill>
+                <a:latin typeface="+mn-lt"/>
+                <a:ea typeface="+mn-ea"/>
+                <a:cs typeface="+mn-cs"/>
+              </a:defRPr>
+            </a:lvl2pPr>
+            <a:lvl3pPr marL="731520" indent="-182880" algn="l" defTabSz="914400" rtl="0" eaLnBrk="1" latinLnBrk="0" hangingPunct="1">
+              <a:lnSpc>
+                <a:spcPct val="90000"/>
+              </a:lnSpc>
+              <a:spcBef>
+                <a:spcPts val="400"/>
+              </a:spcBef>
+              <a:spcAft>
+                <a:spcPts val="200"/>
+              </a:spcAft>
+              <a:buClr>
+                <a:schemeClr val="accent1">
+                  <a:lumMod val="75000"/>
+                </a:schemeClr>
+              </a:buClr>
+              <a:buSzPct val="85000"/>
+              <a:buFont typeface="Wingdings" pitchFamily="2" charset="2"/>
+              <a:buChar char="§"/>
+              <a:defRPr sz="1600" kern="1200">
+                <a:solidFill>
+                  <a:schemeClr val="tx1"/>
+                </a:solidFill>
+                <a:latin typeface="+mn-lt"/>
+                <a:ea typeface="+mn-ea"/>
+                <a:cs typeface="+mn-cs"/>
+              </a:defRPr>
+            </a:lvl3pPr>
+            <a:lvl4pPr marL="1005840" indent="-182880" algn="l" defTabSz="914400" rtl="0" eaLnBrk="1" latinLnBrk="0" hangingPunct="1">
+              <a:lnSpc>
+                <a:spcPct val="90000"/>
+              </a:lnSpc>
+              <a:spcBef>
+                <a:spcPts val="400"/>
+              </a:spcBef>
+              <a:spcAft>
+                <a:spcPts val="200"/>
+              </a:spcAft>
+              <a:buClr>
+                <a:schemeClr val="accent1">
+                  <a:lumMod val="75000"/>
+                </a:schemeClr>
+              </a:buClr>
+              <a:buSzPct val="85000"/>
+              <a:buFont typeface="Wingdings" pitchFamily="2" charset="2"/>
+              <a:buChar char="§"/>
+              <a:defRPr sz="1600" kern="1200">
+                <a:solidFill>
+                  <a:schemeClr val="tx1"/>
+                </a:solidFill>
+                <a:latin typeface="+mn-lt"/>
+                <a:ea typeface="+mn-ea"/>
+                <a:cs typeface="+mn-cs"/>
+              </a:defRPr>
+            </a:lvl4pPr>
+            <a:lvl5pPr marL="1280160" indent="-182880" algn="l" defTabSz="914400" rtl="0" eaLnBrk="1" latinLnBrk="0" hangingPunct="1">
+              <a:lnSpc>
+                <a:spcPct val="90000"/>
+              </a:lnSpc>
+              <a:spcBef>
+                <a:spcPts val="400"/>
+              </a:spcBef>
+              <a:spcAft>
+                <a:spcPts val="200"/>
+              </a:spcAft>
+              <a:buClr>
+                <a:schemeClr val="accent1">
+                  <a:lumMod val="75000"/>
+                </a:schemeClr>
+              </a:buClr>
+              <a:buSzPct val="85000"/>
+              <a:buFont typeface="Wingdings" pitchFamily="2" charset="2"/>
+              <a:buChar char="§"/>
+              <a:defRPr sz="1600" kern="1200">
+                <a:solidFill>
+                  <a:schemeClr val="tx1"/>
+                </a:solidFill>
+                <a:latin typeface="+mn-lt"/>
+                <a:ea typeface="+mn-ea"/>
+                <a:cs typeface="+mn-cs"/>
+              </a:defRPr>
+            </a:lvl5pPr>
+            <a:lvl6pPr marL="1600000" indent="-228600" algn="l" defTabSz="914400" rtl="0" eaLnBrk="1" latinLnBrk="0" hangingPunct="1">
+              <a:lnSpc>
+                <a:spcPct val="90000"/>
+              </a:lnSpc>
+              <a:spcBef>
+                <a:spcPts val="400"/>
+              </a:spcBef>
+              <a:spcAft>
+                <a:spcPts val="200"/>
+              </a:spcAft>
+              <a:buClr>
+                <a:schemeClr val="accent1">
+                  <a:lumMod val="75000"/>
+                </a:schemeClr>
+              </a:buClr>
+              <a:buSzPct val="85000"/>
+              <a:buFont typeface="Wingdings" pitchFamily="2" charset="2"/>
+              <a:buChar char="§"/>
+              <a:defRPr sz="1600" kern="1200">
+                <a:solidFill>
+                  <a:schemeClr val="tx1"/>
+                </a:solidFill>
+                <a:latin typeface="+mn-lt"/>
+                <a:ea typeface="+mn-ea"/>
+                <a:cs typeface="+mn-cs"/>
+              </a:defRPr>
+            </a:lvl6pPr>
+            <a:lvl7pPr marL="1900000" indent="-228600" algn="l" defTabSz="914400" rtl="0" eaLnBrk="1" latinLnBrk="0" hangingPunct="1">
+              <a:lnSpc>
+                <a:spcPct val="90000"/>
+              </a:lnSpc>
+              <a:spcBef>
+                <a:spcPts val="400"/>
+              </a:spcBef>
+              <a:spcAft>
+                <a:spcPts val="200"/>
+              </a:spcAft>
+              <a:buClr>
+                <a:schemeClr val="accent1">
+                  <a:lumMod val="75000"/>
+                </a:schemeClr>
+              </a:buClr>
+              <a:buSzPct val="85000"/>
+              <a:buFont typeface="Wingdings" pitchFamily="2" charset="2"/>
+              <a:buChar char="§"/>
+              <a:defRPr sz="1600" kern="1200">
+                <a:solidFill>
+                  <a:schemeClr val="tx1"/>
+                </a:solidFill>
+                <a:latin typeface="+mn-lt"/>
+                <a:ea typeface="+mn-ea"/>
+                <a:cs typeface="+mn-cs"/>
+              </a:defRPr>
+            </a:lvl7pPr>
+            <a:lvl8pPr marL="2200000" indent="-228600" algn="l" defTabSz="914400" rtl="0" eaLnBrk="1" latinLnBrk="0" hangingPunct="1">
+              <a:lnSpc>
+                <a:spcPct val="90000"/>
+              </a:lnSpc>
+              <a:spcBef>
+                <a:spcPts val="400"/>
+              </a:spcBef>
+              <a:spcAft>
+                <a:spcPts val="200"/>
+              </a:spcAft>
+              <a:buClr>
+                <a:schemeClr val="accent1">
+                  <a:lumMod val="75000"/>
+                </a:schemeClr>
+              </a:buClr>
+              <a:buSzPct val="85000"/>
+              <a:buFont typeface="Wingdings" pitchFamily="2" charset="2"/>
+              <a:buChar char="§"/>
+              <a:defRPr sz="1600" kern="1200">
+                <a:solidFill>
+                  <a:schemeClr val="tx1"/>
+                </a:solidFill>
+                <a:latin typeface="+mn-lt"/>
+                <a:ea typeface="+mn-ea"/>
+                <a:cs typeface="+mn-cs"/>
+              </a:defRPr>
+            </a:lvl8pPr>
+            <a:lvl9pPr marL="2500000" indent="-228600" algn="l" defTabSz="914400" rtl="0" eaLnBrk="1" latinLnBrk="0" hangingPunct="1">
+              <a:lnSpc>
+                <a:spcPct val="90000"/>
+              </a:lnSpc>
+              <a:spcBef>
+                <a:spcPts val="400"/>
+              </a:spcBef>
+              <a:spcAft>
+                <a:spcPts val="200"/>
+              </a:spcAft>
+              <a:buClr>
+                <a:schemeClr val="accent1">
+                  <a:lumMod val="75000"/>
+                </a:schemeClr>
+              </a:buClr>
+              <a:buSzPct val="85000"/>
+              <a:buFont typeface="Wingdings" pitchFamily="2" charset="2"/>
+              <a:buChar char="§"/>
+              <a:defRPr sz="1600" kern="1200">
+                <a:solidFill>
+                  <a:schemeClr val="tx1"/>
+                </a:solidFill>
+                <a:latin typeface="+mn-lt"/>
+                <a:ea typeface="+mn-ea"/>
+                <a:cs typeface="+mn-cs"/>
+              </a:defRPr>
+            </a:lvl9pPr>
+          </a:lstStyle>
+          <a:p>
+            <a:pPr>
+              <a:lnSpc>
+                <a:spcPct val="100000"/>
+              </a:lnSpc>
+              <a:spcBef>
+                <a:spcPts val="1800"/>
+              </a:spcBef>
+              <a:spcAft>
+                <a:spcPts val="1800"/>
+              </a:spcAft>
+            </a:pPr>
+            <a:r>
+              <a:rPr lang="de-DE" sz="2800" dirty="0" smtClean="0"/>
+              <a:t>99,8%</a:t>
+            </a:r>
+            <a:br>
+              <a:rPr lang="de-DE" sz="2800" dirty="0" smtClean="0"/>
+            </a:br>
+            <a:r>
+              <a:rPr lang="de-DE" sz="2800" dirty="0" smtClean="0"/>
+              <a:t>Sicherheitscodes</a:t>
+            </a:r>
+          </a:p>
+        </p:txBody>
+      </p:sp>
+      <p:sp>
+        <p:nvSpPr>
+          <p:cNvPr id="7" name="Inhaltsplatzhalter 2"/>
+          <p:cNvSpPr txBox="1">
+            <a:spLocks/>
+          </p:cNvSpPr>
+          <p:nvPr/>
+        </p:nvSpPr>
+        <p:spPr>
+          <a:xfrm>
+            <a:off x="628650" y="1829299"/>
+            <a:ext cx="3727450" cy="1504316"/>
+          </a:xfrm>
+          <a:prstGeom prst="rect">
+            <a:avLst/>
+          </a:prstGeom>
+        </p:spPr>
+        <p:txBody>
+          <a:bodyPr vert="horz" lIns="91440" tIns="45720" rIns="91440" bIns="45720" rtlCol="0" anchor="ctr">
+            <a:normAutofit/>
+          </a:bodyPr>
+          <a:lstStyle>
+            <a:lvl1pPr marL="182880" indent="-182880" algn="l" defTabSz="914400" rtl="0" eaLnBrk="1" latinLnBrk="0" hangingPunct="1">
+              <a:lnSpc>
+                <a:spcPct val="90000"/>
+              </a:lnSpc>
+              <a:spcBef>
+                <a:spcPts val="1200"/>
+              </a:spcBef>
+              <a:buClr>
+                <a:schemeClr val="accent1">
+                  <a:lumMod val="75000"/>
+                </a:schemeClr>
+              </a:buClr>
+              <a:buSzPct val="85000"/>
+              <a:buFont typeface="Wingdings" pitchFamily="2" charset="2"/>
+              <a:buChar char="§"/>
+              <a:defRPr sz="2000" kern="1200">
+                <a:solidFill>
+                  <a:schemeClr val="tx1"/>
+                </a:solidFill>
+                <a:latin typeface="+mn-lt"/>
+                <a:ea typeface="+mn-ea"/>
+                <a:cs typeface="+mn-cs"/>
+              </a:defRPr>
+            </a:lvl1pPr>
+            <a:lvl2pPr marL="457200" indent="-182880" algn="l" defTabSz="914400" rtl="0" eaLnBrk="1" latinLnBrk="0" hangingPunct="1">
+              <a:lnSpc>
+                <a:spcPct val="90000"/>
+              </a:lnSpc>
+              <a:spcBef>
+                <a:spcPts val="400"/>
+              </a:spcBef>
+              <a:spcAft>
+                <a:spcPts val="200"/>
+              </a:spcAft>
+              <a:buClr>
+                <a:schemeClr val="accent1">
+                  <a:lumMod val="75000"/>
+                </a:schemeClr>
+              </a:buClr>
+              <a:buSzPct val="85000"/>
+              <a:buFont typeface="Wingdings" pitchFamily="2" charset="2"/>
+              <a:buChar char="§"/>
+              <a:defRPr sz="1800" kern="1200">
+                <a:solidFill>
+                  <a:schemeClr val="tx1"/>
+                </a:solidFill>
+                <a:latin typeface="+mn-lt"/>
+                <a:ea typeface="+mn-ea"/>
+                <a:cs typeface="+mn-cs"/>
+              </a:defRPr>
+            </a:lvl2pPr>
+            <a:lvl3pPr marL="731520" indent="-182880" algn="l" defTabSz="914400" rtl="0" eaLnBrk="1" latinLnBrk="0" hangingPunct="1">
+              <a:lnSpc>
+                <a:spcPct val="90000"/>
+              </a:lnSpc>
+              <a:spcBef>
+                <a:spcPts val="400"/>
+              </a:spcBef>
+              <a:spcAft>
+                <a:spcPts val="200"/>
+              </a:spcAft>
+              <a:buClr>
+                <a:schemeClr val="accent1">
+                  <a:lumMod val="75000"/>
+                </a:schemeClr>
+              </a:buClr>
+              <a:buSzPct val="85000"/>
+              <a:buFont typeface="Wingdings" pitchFamily="2" charset="2"/>
+              <a:buChar char="§"/>
+              <a:defRPr sz="1600" kern="1200">
+                <a:solidFill>
+                  <a:schemeClr val="tx1"/>
+                </a:solidFill>
+                <a:latin typeface="+mn-lt"/>
+                <a:ea typeface="+mn-ea"/>
+                <a:cs typeface="+mn-cs"/>
+              </a:defRPr>
+            </a:lvl3pPr>
+            <a:lvl4pPr marL="1005840" indent="-182880" algn="l" defTabSz="914400" rtl="0" eaLnBrk="1" latinLnBrk="0" hangingPunct="1">
+              <a:lnSpc>
+                <a:spcPct val="90000"/>
+              </a:lnSpc>
+              <a:spcBef>
+                <a:spcPts val="400"/>
+              </a:spcBef>
+              <a:spcAft>
+                <a:spcPts val="200"/>
+              </a:spcAft>
+              <a:buClr>
+                <a:schemeClr val="accent1">
+                  <a:lumMod val="75000"/>
+                </a:schemeClr>
+              </a:buClr>
+              <a:buSzPct val="85000"/>
+              <a:buFont typeface="Wingdings" pitchFamily="2" charset="2"/>
+              <a:buChar char="§"/>
+              <a:defRPr sz="1600" kern="1200">
+                <a:solidFill>
+                  <a:schemeClr val="tx1"/>
+                </a:solidFill>
+                <a:latin typeface="+mn-lt"/>
+                <a:ea typeface="+mn-ea"/>
+                <a:cs typeface="+mn-cs"/>
+              </a:defRPr>
+            </a:lvl4pPr>
+            <a:lvl5pPr marL="1280160" indent="-182880" algn="l" defTabSz="914400" rtl="0" eaLnBrk="1" latinLnBrk="0" hangingPunct="1">
+              <a:lnSpc>
+                <a:spcPct val="90000"/>
+              </a:lnSpc>
+              <a:spcBef>
+                <a:spcPts val="400"/>
+              </a:spcBef>
+              <a:spcAft>
+                <a:spcPts val="200"/>
+              </a:spcAft>
+              <a:buClr>
+                <a:schemeClr val="accent1">
+                  <a:lumMod val="75000"/>
+                </a:schemeClr>
+              </a:buClr>
+              <a:buSzPct val="85000"/>
+              <a:buFont typeface="Wingdings" pitchFamily="2" charset="2"/>
+              <a:buChar char="§"/>
+              <a:defRPr sz="1600" kern="1200">
+                <a:solidFill>
+                  <a:schemeClr val="tx1"/>
+                </a:solidFill>
+                <a:latin typeface="+mn-lt"/>
+                <a:ea typeface="+mn-ea"/>
+                <a:cs typeface="+mn-cs"/>
+              </a:defRPr>
+            </a:lvl5pPr>
+            <a:lvl6pPr marL="1600000" indent="-228600" algn="l" defTabSz="914400" rtl="0" eaLnBrk="1" latinLnBrk="0" hangingPunct="1">
+              <a:lnSpc>
+                <a:spcPct val="90000"/>
+              </a:lnSpc>
+              <a:spcBef>
+                <a:spcPts val="400"/>
+              </a:spcBef>
+              <a:spcAft>
+                <a:spcPts val="200"/>
+              </a:spcAft>
+              <a:buClr>
+                <a:schemeClr val="accent1">
+                  <a:lumMod val="75000"/>
+                </a:schemeClr>
+              </a:buClr>
+              <a:buSzPct val="85000"/>
+              <a:buFont typeface="Wingdings" pitchFamily="2" charset="2"/>
+              <a:buChar char="§"/>
+              <a:defRPr sz="1600" kern="1200">
+                <a:solidFill>
+                  <a:schemeClr val="tx1"/>
+                </a:solidFill>
+                <a:latin typeface="+mn-lt"/>
+                <a:ea typeface="+mn-ea"/>
+                <a:cs typeface="+mn-cs"/>
+              </a:defRPr>
+            </a:lvl6pPr>
+            <a:lvl7pPr marL="1900000" indent="-228600" algn="l" defTabSz="914400" rtl="0" eaLnBrk="1" latinLnBrk="0" hangingPunct="1">
+              <a:lnSpc>
+                <a:spcPct val="90000"/>
+              </a:lnSpc>
+              <a:spcBef>
+                <a:spcPts val="400"/>
+              </a:spcBef>
+              <a:spcAft>
+                <a:spcPts val="200"/>
+              </a:spcAft>
+              <a:buClr>
+                <a:schemeClr val="accent1">
+                  <a:lumMod val="75000"/>
+                </a:schemeClr>
+              </a:buClr>
+              <a:buSzPct val="85000"/>
+              <a:buFont typeface="Wingdings" pitchFamily="2" charset="2"/>
+              <a:buChar char="§"/>
+              <a:defRPr sz="1600" kern="1200">
+                <a:solidFill>
+                  <a:schemeClr val="tx1"/>
+                </a:solidFill>
+                <a:latin typeface="+mn-lt"/>
+                <a:ea typeface="+mn-ea"/>
+                <a:cs typeface="+mn-cs"/>
+              </a:defRPr>
+            </a:lvl7pPr>
+            <a:lvl8pPr marL="2200000" indent="-228600" algn="l" defTabSz="914400" rtl="0" eaLnBrk="1" latinLnBrk="0" hangingPunct="1">
+              <a:lnSpc>
+                <a:spcPct val="90000"/>
+              </a:lnSpc>
+              <a:spcBef>
+                <a:spcPts val="400"/>
+              </a:spcBef>
+              <a:spcAft>
+                <a:spcPts val="200"/>
+              </a:spcAft>
+              <a:buClr>
+                <a:schemeClr val="accent1">
+                  <a:lumMod val="75000"/>
+                </a:schemeClr>
+              </a:buClr>
+              <a:buSzPct val="85000"/>
+              <a:buFont typeface="Wingdings" pitchFamily="2" charset="2"/>
+              <a:buChar char="§"/>
+              <a:defRPr sz="1600" kern="1200">
+                <a:solidFill>
+                  <a:schemeClr val="tx1"/>
+                </a:solidFill>
+                <a:latin typeface="+mn-lt"/>
+                <a:ea typeface="+mn-ea"/>
+                <a:cs typeface="+mn-cs"/>
+              </a:defRPr>
+            </a:lvl8pPr>
+            <a:lvl9pPr marL="2500000" indent="-228600" algn="l" defTabSz="914400" rtl="0" eaLnBrk="1" latinLnBrk="0" hangingPunct="1">
+              <a:lnSpc>
+                <a:spcPct val="90000"/>
+              </a:lnSpc>
+              <a:spcBef>
+                <a:spcPts val="400"/>
+              </a:spcBef>
+              <a:spcAft>
+                <a:spcPts val="200"/>
+              </a:spcAft>
+              <a:buClr>
+                <a:schemeClr val="accent1">
+                  <a:lumMod val="75000"/>
+                </a:schemeClr>
+              </a:buClr>
+              <a:buSzPct val="85000"/>
+              <a:buFont typeface="Wingdings" pitchFamily="2" charset="2"/>
+              <a:buChar char="§"/>
+              <a:defRPr sz="1600" kern="1200">
+                <a:solidFill>
+                  <a:schemeClr val="tx1"/>
+                </a:solidFill>
+                <a:latin typeface="+mn-lt"/>
+                <a:ea typeface="+mn-ea"/>
+                <a:cs typeface="+mn-cs"/>
+              </a:defRPr>
+            </a:lvl9pPr>
+          </a:lstStyle>
+          <a:p>
+            <a:pPr>
+              <a:lnSpc>
+                <a:spcPct val="100000"/>
+              </a:lnSpc>
+              <a:spcBef>
+                <a:spcPts val="1800"/>
+              </a:spcBef>
+              <a:spcAft>
+                <a:spcPts val="1800"/>
+              </a:spcAft>
+            </a:pPr>
+            <a:r>
+              <a:rPr lang="de-DE" sz="2800" dirty="0" smtClean="0"/>
+              <a:t>97,84%</a:t>
+            </a:r>
+            <a:br>
+              <a:rPr lang="de-DE" sz="2800" dirty="0" smtClean="0"/>
+            </a:br>
+            <a:r>
+              <a:rPr lang="de-DE" sz="2800" dirty="0" smtClean="0"/>
+              <a:t>Hausnummern</a:t>
+            </a:r>
+            <a:endParaRPr lang="de-DE" sz="2800" dirty="0" smtClean="0"/>
+          </a:p>
+        </p:txBody>
+      </p:sp>
     </p:spTree>
     <p:extLst>
       <p:ext uri="{BB962C8B-B14F-4D97-AF65-F5344CB8AC3E}">
@@ -7456,9 +8006,175 @@
   <p:timing>
     <p:tnLst>
       <p:par>
-        <p:cTn id="1" dur="indefinite" restart="never" nodeType="tmRoot"/>
+        <p:cTn id="1" dur="indefinite" restart="never" nodeType="tmRoot">
+          <p:childTnLst>
+            <p:seq concurrent="1" nextAc="seek">
+              <p:cTn id="2" dur="indefinite" nodeType="mainSeq">
+                <p:childTnLst>
+                  <p:par>
+                    <p:cTn id="3" fill="hold">
+                      <p:stCondLst>
+                        <p:cond delay="indefinite"/>
+                      </p:stCondLst>
+                      <p:childTnLst>
+                        <p:par>
+                          <p:cTn id="4" fill="hold">
+                            <p:stCondLst>
+                              <p:cond delay="0"/>
+                            </p:stCondLst>
+                            <p:childTnLst>
+                              <p:par>
+                                <p:cTn id="5" presetID="1" presetClass="entr" presetSubtype="0" fill="hold" nodeType="clickEffect">
+                                  <p:stCondLst>
+                                    <p:cond delay="0"/>
+                                  </p:stCondLst>
+                                  <p:childTnLst>
+                                    <p:set>
+                                      <p:cBhvr>
+                                        <p:cTn id="6" dur="1" fill="hold">
+                                          <p:stCondLst>
+                                            <p:cond delay="0"/>
+                                          </p:stCondLst>
+                                        </p:cTn>
+                                        <p:tgtEl>
+                                          <p:spTgt spid="5"/>
+                                        </p:tgtEl>
+                                        <p:attrNameLst>
+                                          <p:attrName>style.visibility</p:attrName>
+                                        </p:attrNameLst>
+                                      </p:cBhvr>
+                                      <p:to>
+                                        <p:strVal val="visible"/>
+                                      </p:to>
+                                    </p:set>
+                                  </p:childTnLst>
+                                </p:cTn>
+                              </p:par>
+                            </p:childTnLst>
+                          </p:cTn>
+                        </p:par>
+                      </p:childTnLst>
+                    </p:cTn>
+                  </p:par>
+                  <p:par>
+                    <p:cTn id="7" fill="hold">
+                      <p:stCondLst>
+                        <p:cond delay="indefinite"/>
+                      </p:stCondLst>
+                      <p:childTnLst>
+                        <p:par>
+                          <p:cTn id="8" fill="hold">
+                            <p:stCondLst>
+                              <p:cond delay="0"/>
+                            </p:stCondLst>
+                            <p:childTnLst>
+                              <p:par>
+                                <p:cTn id="9" presetID="1" presetClass="entr" presetSubtype="0" fill="hold" grpId="0" nodeType="clickEffect">
+                                  <p:stCondLst>
+                                    <p:cond delay="0"/>
+                                  </p:stCondLst>
+                                  <p:childTnLst>
+                                    <p:set>
+                                      <p:cBhvr>
+                                        <p:cTn id="10" dur="1" fill="hold">
+                                          <p:stCondLst>
+                                            <p:cond delay="0"/>
+                                          </p:stCondLst>
+                                        </p:cTn>
+                                        <p:tgtEl>
+                                          <p:spTgt spid="6"/>
+                                        </p:tgtEl>
+                                        <p:attrNameLst>
+                                          <p:attrName>style.visibility</p:attrName>
+                                        </p:attrNameLst>
+                                      </p:cBhvr>
+                                      <p:to>
+                                        <p:strVal val="visible"/>
+                                      </p:to>
+                                    </p:set>
+                                  </p:childTnLst>
+                                </p:cTn>
+                              </p:par>
+                            </p:childTnLst>
+                          </p:cTn>
+                        </p:par>
+                      </p:childTnLst>
+                    </p:cTn>
+                  </p:par>
+                  <p:par>
+                    <p:cTn id="11" fill="hold">
+                      <p:stCondLst>
+                        <p:cond delay="indefinite"/>
+                      </p:stCondLst>
+                      <p:childTnLst>
+                        <p:par>
+                          <p:cTn id="12" fill="hold">
+                            <p:stCondLst>
+                              <p:cond delay="0"/>
+                            </p:stCondLst>
+                            <p:childTnLst>
+                              <p:par>
+                                <p:cTn id="13" presetID="1" presetClass="entr" presetSubtype="0" fill="hold" grpId="0" nodeType="clickEffect">
+                                  <p:stCondLst>
+                                    <p:cond delay="0"/>
+                                  </p:stCondLst>
+                                  <p:childTnLst>
+                                    <p:set>
+                                      <p:cBhvr>
+                                        <p:cTn id="14" dur="1" fill="hold">
+                                          <p:stCondLst>
+                                            <p:cond delay="0"/>
+                                          </p:stCondLst>
+                                        </p:cTn>
+                                        <p:tgtEl>
+                                          <p:spTgt spid="3">
+                                            <p:txEl>
+                                              <p:pRg st="0" end="0"/>
+                                            </p:txEl>
+                                          </p:spTgt>
+                                        </p:tgtEl>
+                                        <p:attrNameLst>
+                                          <p:attrName>style.visibility</p:attrName>
+                                        </p:attrNameLst>
+                                      </p:cBhvr>
+                                      <p:to>
+                                        <p:strVal val="visible"/>
+                                      </p:to>
+                                    </p:set>
+                                  </p:childTnLst>
+                                </p:cTn>
+                              </p:par>
+                            </p:childTnLst>
+                          </p:cTn>
+                        </p:par>
+                      </p:childTnLst>
+                    </p:cTn>
+                  </p:par>
+                </p:childTnLst>
+              </p:cTn>
+              <p:prevCondLst>
+                <p:cond evt="onPrev" delay="0">
+                  <p:tgtEl>
+                    <p:sldTgt/>
+                  </p:tgtEl>
+                </p:cond>
+              </p:prevCondLst>
+              <p:nextCondLst>
+                <p:cond evt="onNext" delay="0">
+                  <p:tgtEl>
+                    <p:sldTgt/>
+                  </p:tgtEl>
+                </p:cond>
+              </p:nextCondLst>
+            </p:seq>
+          </p:childTnLst>
+        </p:cTn>
       </p:par>
     </p:tnLst>
+    <p:bldLst>
+      <p:bldP spid="3" grpId="0" build="p"/>
+      <p:bldP spid="6" grpId="0"/>
+    </p:bldLst>
   </p:timing>
 </p:sld>
 </file>
